--- a/presentation/Презентация.pptx
+++ b/presentation/Презентация.pptx
@@ -9,6 +9,9 @@
     <p:sldId id="257" r:id="rId3"/>
     <p:sldId id="258" r:id="rId4"/>
     <p:sldId id="259" r:id="rId5"/>
+    <p:sldId id="260" r:id="rId6"/>
+    <p:sldId id="261" r:id="rId7"/>
+    <p:sldId id="262" r:id="rId8"/>
   </p:sldIdLst>
   <p:sldSz cx="9144000" cy="6858000" type="screen4x3"/>
   <p:notesSz cx="6858000" cy="9144000"/>
@@ -3404,6 +3407,511 @@
     <p:extLst>
       <p:ext uri="{BB962C8B-B14F-4D97-AF65-F5344CB8AC3E}">
         <p14:creationId xmlns:p14="http://schemas.microsoft.com/office/powerpoint/2010/main" val="3799067573"/>
+      </p:ext>
+    </p:extLst>
+  </p:cSld>
+  <p:clrMapOvr>
+    <a:masterClrMapping/>
+  </p:clrMapOvr>
+</p:sld>
+</file>
+
+<file path=ppt/slides/slide5.xml><?xml version="1.0" encoding="utf-8"?>
+<p:sld xmlns:a="http://schemas.openxmlformats.org/drawingml/2006/main" xmlns:r="http://schemas.openxmlformats.org/officeDocument/2006/relationships" xmlns:p="http://schemas.openxmlformats.org/presentationml/2006/main">
+  <p:cSld>
+    <p:spTree>
+      <p:nvGrpSpPr>
+        <p:cNvPr id="1" name=""/>
+        <p:cNvGrpSpPr/>
+        <p:nvPr/>
+      </p:nvGrpSpPr>
+      <p:grpSpPr>
+        <a:xfrm>
+          <a:off x="0" y="0"/>
+          <a:ext cx="0" cy="0"/>
+          <a:chOff x="0" y="0"/>
+          <a:chExt cx="0" cy="0"/>
+        </a:xfrm>
+      </p:grpSpPr>
+      <p:sp>
+        <p:nvSpPr>
+          <p:cNvPr id="2" name="Заголовок 1"/>
+          <p:cNvSpPr>
+            <a:spLocks noGrp="1"/>
+          </p:cNvSpPr>
+          <p:nvPr>
+            <p:ph type="title"/>
+          </p:nvPr>
+        </p:nvSpPr>
+        <p:spPr/>
+        <p:txBody>
+          <a:bodyPr/>
+          <a:lstStyle/>
+          <a:p>
+            <a:r>
+              <a:rPr lang="ru-RU" dirty="0"/>
+              <a:t>Описание реализации</a:t>
+            </a:r>
+          </a:p>
+        </p:txBody>
+      </p:sp>
+      <p:sp>
+        <p:nvSpPr>
+          <p:cNvPr id="3" name="Объект 2"/>
+          <p:cNvSpPr>
+            <a:spLocks noGrp="1"/>
+          </p:cNvSpPr>
+          <p:nvPr>
+            <p:ph idx="1"/>
+          </p:nvPr>
+        </p:nvSpPr>
+        <p:spPr>
+          <a:xfrm>
+            <a:off x="539552" y="1268760"/>
+            <a:ext cx="8229600" cy="5141168"/>
+          </a:xfrm>
+        </p:spPr>
+        <p:txBody>
+          <a:bodyPr>
+            <a:normAutofit fontScale="92500" lnSpcReduction="10000"/>
+          </a:bodyPr>
+          <a:lstStyle/>
+          <a:p>
+            <a:r>
+              <a:rPr lang="ru-RU" dirty="0" smtClean="0"/>
+              <a:t>Поле и камера реализовано классом </a:t>
+            </a:r>
+            <a:r>
+              <a:rPr lang="en-US" dirty="0" smtClean="0"/>
+              <a:t>Field</a:t>
+            </a:r>
+            <a:r>
+              <a:rPr lang="ru-RU" dirty="0" smtClean="0"/>
+              <a:t>. Также оно обрабатывает события и генерирует карту.</a:t>
+            </a:r>
+          </a:p>
+          <a:p>
+            <a:r>
+              <a:rPr lang="ru-RU" dirty="0" smtClean="0"/>
+              <a:t>Курица – класс </a:t>
+            </a:r>
+            <a:r>
+              <a:rPr lang="en-US" dirty="0" smtClean="0"/>
+              <a:t>Chicken. </a:t>
+            </a:r>
+            <a:r>
+              <a:rPr lang="ru-RU" dirty="0" smtClean="0"/>
+              <a:t>Ею управляет игрок</a:t>
+            </a:r>
+          </a:p>
+          <a:p>
+            <a:r>
+              <a:rPr lang="ru-RU" dirty="0" smtClean="0"/>
+              <a:t>Линии – классы </a:t>
+            </a:r>
+            <a:r>
+              <a:rPr lang="en-US" dirty="0" smtClean="0"/>
+              <a:t>…Line</a:t>
+            </a:r>
+            <a:r>
+              <a:rPr lang="ru-RU" dirty="0" smtClean="0"/>
+              <a:t>.</a:t>
+            </a:r>
+            <a:r>
+              <a:rPr lang="en-US" dirty="0" smtClean="0"/>
+              <a:t> </a:t>
+            </a:r>
+            <a:r>
+              <a:rPr lang="ru-RU" dirty="0" smtClean="0"/>
+              <a:t>Есть 5 разных типов линий.</a:t>
+            </a:r>
+          </a:p>
+          <a:p>
+            <a:r>
+              <a:rPr lang="ru-RU" dirty="0" smtClean="0"/>
+              <a:t>Объекты – классы, наследующиеся от </a:t>
+            </a:r>
+            <a:r>
+              <a:rPr lang="en-US" dirty="0" err="1" smtClean="0"/>
+              <a:t>pygame.sprite.Sprite</a:t>
+            </a:r>
+            <a:r>
+              <a:rPr lang="en-US" dirty="0" smtClean="0"/>
+              <a:t>. </a:t>
+            </a:r>
+            <a:r>
+              <a:rPr lang="ru-RU" dirty="0" smtClean="0"/>
+              <a:t>Они </a:t>
+            </a:r>
+            <a:r>
+              <a:rPr lang="ru-RU" dirty="0" err="1" smtClean="0"/>
+              <a:t>отрисовываются</a:t>
+            </a:r>
+            <a:r>
+              <a:rPr lang="ru-RU" dirty="0" smtClean="0"/>
+              <a:t> на экране.</a:t>
+            </a:r>
+          </a:p>
+          <a:p>
+            <a:r>
+              <a:rPr lang="ru-RU" dirty="0" smtClean="0"/>
+              <a:t>Частицы – тоже спрайты.</a:t>
+            </a:r>
+          </a:p>
+          <a:p>
+            <a:pPr marL="0" indent="0">
+              <a:buNone/>
+            </a:pPr>
+            <a:r>
+              <a:rPr lang="ru-RU" dirty="0" smtClean="0"/>
+              <a:t>Подробнее есть почитать в записке.</a:t>
+            </a:r>
+          </a:p>
+          <a:p>
+            <a:endParaRPr lang="ru-RU" dirty="0"/>
+          </a:p>
+        </p:txBody>
+      </p:sp>
+    </p:spTree>
+    <p:extLst>
+      <p:ext uri="{BB962C8B-B14F-4D97-AF65-F5344CB8AC3E}">
+        <p14:creationId xmlns:p14="http://schemas.microsoft.com/office/powerpoint/2010/main" val="25275197"/>
+      </p:ext>
+    </p:extLst>
+  </p:cSld>
+  <p:clrMapOvr>
+    <a:masterClrMapping/>
+  </p:clrMapOvr>
+</p:sld>
+</file>
+
+<file path=ppt/slides/slide6.xml><?xml version="1.0" encoding="utf-8"?>
+<p:sld xmlns:a="http://schemas.openxmlformats.org/drawingml/2006/main" xmlns:r="http://schemas.openxmlformats.org/officeDocument/2006/relationships" xmlns:p="http://schemas.openxmlformats.org/presentationml/2006/main">
+  <p:cSld>
+    <p:spTree>
+      <p:nvGrpSpPr>
+        <p:cNvPr id="1" name=""/>
+        <p:cNvGrpSpPr/>
+        <p:nvPr/>
+      </p:nvGrpSpPr>
+      <p:grpSpPr>
+        <a:xfrm>
+          <a:off x="0" y="0"/>
+          <a:ext cx="0" cy="0"/>
+          <a:chOff x="0" y="0"/>
+          <a:chExt cx="0" cy="0"/>
+        </a:xfrm>
+      </p:grpSpPr>
+      <p:sp>
+        <p:nvSpPr>
+          <p:cNvPr id="2" name="Заголовок 1"/>
+          <p:cNvSpPr>
+            <a:spLocks noGrp="1"/>
+          </p:cNvSpPr>
+          <p:nvPr>
+            <p:ph type="title"/>
+          </p:nvPr>
+        </p:nvSpPr>
+        <p:spPr/>
+        <p:txBody>
+          <a:bodyPr/>
+          <a:lstStyle/>
+          <a:p>
+            <a:r>
+              <a:rPr lang="ru-RU" dirty="0" smtClean="0"/>
+              <a:t>Технологии</a:t>
+            </a:r>
+            <a:endParaRPr lang="ru-RU" dirty="0"/>
+          </a:p>
+        </p:txBody>
+      </p:sp>
+      <p:sp>
+        <p:nvSpPr>
+          <p:cNvPr id="3" name="Объект 2"/>
+          <p:cNvSpPr>
+            <a:spLocks noGrp="1"/>
+          </p:cNvSpPr>
+          <p:nvPr>
+            <p:ph idx="1"/>
+          </p:nvPr>
+        </p:nvSpPr>
+        <p:spPr>
+          <a:xfrm>
+            <a:off x="251520" y="1556792"/>
+            <a:ext cx="8579296" cy="4525963"/>
+          </a:xfrm>
+        </p:spPr>
+        <p:txBody>
+          <a:bodyPr>
+            <a:normAutofit fontScale="92500"/>
+          </a:bodyPr>
+          <a:lstStyle/>
+          <a:p>
+            <a:pPr marL="0" indent="0">
+              <a:buNone/>
+            </a:pPr>
+            <a:r>
+              <a:rPr lang="ru-RU" sz="2800" dirty="0" smtClean="0"/>
+              <a:t>Единственная библиотека, кроме встроенных </a:t>
+            </a:r>
+            <a:r>
+              <a:rPr lang="en-US" sz="2800" dirty="0" smtClean="0"/>
+              <a:t>- </a:t>
+            </a:r>
+            <a:r>
+              <a:rPr lang="en-US" sz="2800" dirty="0" err="1" smtClean="0"/>
+              <a:t>pygame</a:t>
+            </a:r>
+            <a:r>
+              <a:rPr lang="en-US" sz="2800" dirty="0" smtClean="0"/>
+              <a:t>.</a:t>
+            </a:r>
+          </a:p>
+          <a:p>
+            <a:pPr marL="0" indent="0">
+              <a:buNone/>
+            </a:pPr>
+            <a:r>
+              <a:rPr lang="ru-RU" sz="2800" dirty="0" smtClean="0"/>
+              <a:t>Оттуда мне понадобились: </a:t>
+            </a:r>
+            <a:endParaRPr lang="en-US" sz="2800" dirty="0" smtClean="0"/>
+          </a:p>
+          <a:p>
+            <a:pPr marL="0" indent="0">
+              <a:buNone/>
+            </a:pPr>
+            <a:r>
+              <a:rPr lang="en-US" sz="2800" dirty="0" err="1" smtClean="0"/>
+              <a:t>pg.sprite</a:t>
+            </a:r>
+            <a:r>
+              <a:rPr lang="en-US" sz="2800" dirty="0" smtClean="0"/>
+              <a:t> – </a:t>
+            </a:r>
+            <a:r>
+              <a:rPr lang="ru-RU" sz="2800" dirty="0" smtClean="0"/>
+              <a:t>для спрайтов</a:t>
+            </a:r>
+            <a:endParaRPr lang="en-US" sz="2800" dirty="0"/>
+          </a:p>
+          <a:p>
+            <a:pPr marL="0" indent="0">
+              <a:buNone/>
+            </a:pPr>
+            <a:r>
+              <a:rPr lang="en-US" sz="2800" dirty="0" err="1" smtClean="0"/>
+              <a:t>pg.mixer</a:t>
+            </a:r>
+            <a:r>
+              <a:rPr lang="ru-RU" sz="2800" dirty="0" smtClean="0"/>
+              <a:t> – для звуков</a:t>
+            </a:r>
+            <a:endParaRPr lang="en-US" sz="2800" dirty="0" smtClean="0"/>
+          </a:p>
+          <a:p>
+            <a:pPr marL="0" indent="0">
+              <a:buNone/>
+            </a:pPr>
+            <a:r>
+              <a:rPr lang="en-US" sz="2800" dirty="0" err="1" smtClean="0"/>
+              <a:t>pg.image</a:t>
+            </a:r>
+            <a:r>
+              <a:rPr lang="en-US" sz="2800" dirty="0" smtClean="0"/>
+              <a:t> – </a:t>
+            </a:r>
+            <a:r>
+              <a:rPr lang="ru-RU" sz="2800" dirty="0" smtClean="0"/>
+              <a:t>для изображений</a:t>
+            </a:r>
+          </a:p>
+          <a:p>
+            <a:pPr marL="0" indent="0">
+              <a:buNone/>
+            </a:pPr>
+            <a:r>
+              <a:rPr lang="en-US" sz="2800" dirty="0" err="1" smtClean="0"/>
+              <a:t>pg.transform</a:t>
+            </a:r>
+            <a:r>
+              <a:rPr lang="en-US" sz="2800" dirty="0" smtClean="0"/>
+              <a:t> – </a:t>
+            </a:r>
+            <a:r>
+              <a:rPr lang="ru-RU" sz="2800" dirty="0" smtClean="0"/>
+              <a:t>для поворота</a:t>
+            </a:r>
+          </a:p>
+          <a:p>
+            <a:pPr marL="0" indent="0">
+              <a:buNone/>
+            </a:pPr>
+            <a:r>
+              <a:rPr lang="en-US" sz="2800" dirty="0" err="1" smtClean="0"/>
+              <a:t>pg.time</a:t>
+            </a:r>
+            <a:r>
+              <a:rPr lang="en-US" sz="2800" dirty="0" smtClean="0"/>
+              <a:t> – </a:t>
+            </a:r>
+            <a:r>
+              <a:rPr lang="ru-RU" sz="2800" dirty="0" smtClean="0"/>
+              <a:t>для поддержания </a:t>
+            </a:r>
+            <a:r>
+              <a:rPr lang="ru-RU" sz="2800" dirty="0" err="1" smtClean="0"/>
+              <a:t>фпс</a:t>
+            </a:r>
+            <a:endParaRPr lang="ru-RU" sz="2800" dirty="0" smtClean="0"/>
+          </a:p>
+          <a:p>
+            <a:pPr marL="0" indent="0">
+              <a:buNone/>
+            </a:pPr>
+            <a:r>
+              <a:rPr lang="en-US" sz="2800" dirty="0" err="1" smtClean="0"/>
+              <a:t>pg.font</a:t>
+            </a:r>
+            <a:r>
+              <a:rPr lang="en-US" sz="2800" dirty="0" smtClean="0"/>
+              <a:t> – </a:t>
+            </a:r>
+            <a:r>
+              <a:rPr lang="ru-RU" sz="2800" dirty="0" smtClean="0"/>
+              <a:t>для рисования символов</a:t>
+            </a:r>
+          </a:p>
+          <a:p>
+            <a:pPr marL="0" indent="0">
+              <a:buNone/>
+            </a:pPr>
+            <a:r>
+              <a:rPr lang="en-US" sz="2800" dirty="0" err="1" smtClean="0"/>
+              <a:t>pg.display</a:t>
+            </a:r>
+            <a:r>
+              <a:rPr lang="en-US" sz="2800" dirty="0" smtClean="0"/>
+              <a:t> – </a:t>
+            </a:r>
+            <a:r>
+              <a:rPr lang="ru-RU" sz="2800" dirty="0" smtClean="0"/>
+              <a:t>чтоб всё это показать</a:t>
+            </a:r>
+            <a:endParaRPr lang="ru-RU" sz="2800" dirty="0"/>
+          </a:p>
+        </p:txBody>
+      </p:sp>
+    </p:spTree>
+    <p:extLst>
+      <p:ext uri="{BB962C8B-B14F-4D97-AF65-F5344CB8AC3E}">
+        <p14:creationId xmlns:p14="http://schemas.microsoft.com/office/powerpoint/2010/main" val="1665400939"/>
+      </p:ext>
+    </p:extLst>
+  </p:cSld>
+  <p:clrMapOvr>
+    <a:masterClrMapping/>
+  </p:clrMapOvr>
+</p:sld>
+</file>
+
+<file path=ppt/slides/slide7.xml><?xml version="1.0" encoding="utf-8"?>
+<p:sld xmlns:a="http://schemas.openxmlformats.org/drawingml/2006/main" xmlns:r="http://schemas.openxmlformats.org/officeDocument/2006/relationships" xmlns:p="http://schemas.openxmlformats.org/presentationml/2006/main">
+  <p:cSld>
+    <p:spTree>
+      <p:nvGrpSpPr>
+        <p:cNvPr id="1" name=""/>
+        <p:cNvGrpSpPr/>
+        <p:nvPr/>
+      </p:nvGrpSpPr>
+      <p:grpSpPr>
+        <a:xfrm>
+          <a:off x="0" y="0"/>
+          <a:ext cx="0" cy="0"/>
+          <a:chOff x="0" y="0"/>
+          <a:chExt cx="0" cy="0"/>
+        </a:xfrm>
+      </p:grpSpPr>
+      <p:sp>
+        <p:nvSpPr>
+          <p:cNvPr id="2" name="Заголовок 1"/>
+          <p:cNvSpPr>
+            <a:spLocks noGrp="1"/>
+          </p:cNvSpPr>
+          <p:nvPr>
+            <p:ph type="title"/>
+          </p:nvPr>
+        </p:nvSpPr>
+        <p:spPr/>
+        <p:txBody>
+          <a:bodyPr/>
+          <a:lstStyle/>
+          <a:p>
+            <a:r>
+              <a:rPr lang="ru-RU" dirty="0"/>
+              <a:t>Заключение</a:t>
+            </a:r>
+          </a:p>
+        </p:txBody>
+      </p:sp>
+      <p:sp>
+        <p:nvSpPr>
+          <p:cNvPr id="3" name="Объект 2"/>
+          <p:cNvSpPr>
+            <a:spLocks noGrp="1"/>
+          </p:cNvSpPr>
+          <p:nvPr>
+            <p:ph idx="1"/>
+          </p:nvPr>
+        </p:nvSpPr>
+        <p:spPr/>
+        <p:txBody>
+          <a:bodyPr>
+            <a:normAutofit fontScale="92500"/>
+          </a:bodyPr>
+          <a:lstStyle/>
+          <a:p>
+            <a:pPr marL="0" indent="0">
+              <a:buNone/>
+            </a:pPr>
+            <a:r>
+              <a:rPr lang="ru-RU" dirty="0" smtClean="0"/>
+              <a:t>В процессе написания узнал о возможностях проигрывания звуков и где их можно достать.</a:t>
+            </a:r>
+          </a:p>
+          <a:p>
+            <a:pPr marL="0" indent="0">
+              <a:buNone/>
+            </a:pPr>
+            <a:r>
+              <a:rPr lang="ru-RU" dirty="0" smtClean="0"/>
+              <a:t>Игра выглядит неплохо. Всё работает плавно и быстро (до 100 </a:t>
+            </a:r>
+            <a:r>
+              <a:rPr lang="ru-RU" dirty="0" err="1" smtClean="0"/>
+              <a:t>фпс</a:t>
+            </a:r>
+            <a:r>
+              <a:rPr lang="ru-RU" dirty="0" smtClean="0"/>
+              <a:t> на нормальном компьютере). Есть возможность посмотреть предыдущие рекорды.</a:t>
+            </a:r>
+          </a:p>
+          <a:p>
+            <a:pPr marL="0" indent="0">
+              <a:buNone/>
+            </a:pPr>
+            <a:r>
+              <a:rPr lang="ru-RU" dirty="0" smtClean="0"/>
+              <a:t>Игру всё ещё можно доделать. Например можно нарисовать больше куриц и выдавать их за очки. Можно легко добавить новые типы линий.</a:t>
+            </a:r>
+            <a:endParaRPr lang="ru-RU" dirty="0"/>
+          </a:p>
+        </p:txBody>
+      </p:sp>
+    </p:spTree>
+    <p:extLst>
+      <p:ext uri="{BB962C8B-B14F-4D97-AF65-F5344CB8AC3E}">
+        <p14:creationId xmlns:p14="http://schemas.microsoft.com/office/powerpoint/2010/main" val="4253432299"/>
       </p:ext>
     </p:extLst>
   </p:cSld>
